--- a/fireblaze work/project2/presentationformidtermexammlds/PPT Format.pptx
+++ b/fireblaze work/project2/presentationformidtermexammlds/PPT Format.pptx
@@ -5,7 +5,7 @@
     <p:sldMasterId id="2147483659" r:id="rId1"/>
   </p:sldMasterIdLst>
   <p:notesMasterIdLst>
-    <p:notesMasterId r:id="rId11"/>
+    <p:notesMasterId r:id="rId12"/>
   </p:notesMasterIdLst>
   <p:sldIdLst>
     <p:sldId id="256" r:id="rId2"/>
@@ -13,20 +13,21 @@
     <p:sldId id="258" r:id="rId4"/>
     <p:sldId id="259" r:id="rId5"/>
     <p:sldId id="260" r:id="rId6"/>
-    <p:sldId id="261" r:id="rId7"/>
-    <p:sldId id="262" r:id="rId8"/>
-    <p:sldId id="265" r:id="rId9"/>
-    <p:sldId id="266" r:id="rId10"/>
+    <p:sldId id="267" r:id="rId7"/>
+    <p:sldId id="261" r:id="rId8"/>
+    <p:sldId id="262" r:id="rId9"/>
+    <p:sldId id="265" r:id="rId10"/>
+    <p:sldId id="266" r:id="rId11"/>
   </p:sldIdLst>
   <p:sldSz cx="9144000" cy="5143500" type="screen16x9"/>
   <p:notesSz cx="6858000" cy="9144000"/>
   <p:embeddedFontLst>
     <p:embeddedFont>
       <p:font typeface="Roboto" panose="020B0604020202020204" charset="0"/>
-      <p:regular r:id="rId12"/>
-      <p:bold r:id="rId13"/>
-      <p:italic r:id="rId14"/>
-      <p:boldItalic r:id="rId15"/>
+      <p:regular r:id="rId13"/>
+      <p:bold r:id="rId14"/>
+      <p:italic r:id="rId15"/>
+      <p:boldItalic r:id="rId16"/>
     </p:embeddedFont>
   </p:embeddedFontLst>
   <p:defaultTextStyle>
@@ -822,6 +823,115 @@
 </p:notes>
 </file>
 
+<file path=ppt/notesSlides/notesSlide10.xml><?xml version="1.0" encoding="utf-8"?>
+<p:notes xmlns:a="http://schemas.openxmlformats.org/drawingml/2006/main" xmlns:r="http://schemas.openxmlformats.org/officeDocument/2006/relationships" xmlns:p="http://schemas.openxmlformats.org/presentationml/2006/main" showMasterSp="0" showMasterPhAnim="0">
+  <p:cSld>
+    <p:spTree>
+      <p:nvGrpSpPr>
+        <p:cNvPr id="1" name="Shape 386"/>
+        <p:cNvGrpSpPr/>
+        <p:nvPr/>
+      </p:nvGrpSpPr>
+      <p:grpSpPr>
+        <a:xfrm>
+          <a:off x="0" y="0"/>
+          <a:ext cx="0" cy="0"/>
+          <a:chOff x="0" y="0"/>
+          <a:chExt cx="0" cy="0"/>
+        </a:xfrm>
+      </p:grpSpPr>
+      <p:sp>
+        <p:nvSpPr>
+          <p:cNvPr id="387" name="Google Shape;387;gb7223bd2a0_0_331:notes"/>
+          <p:cNvSpPr>
+            <a:spLocks noGrp="1" noRot="1" noChangeAspect="1"/>
+          </p:cNvSpPr>
+          <p:nvPr>
+            <p:ph type="sldImg" idx="2"/>
+          </p:nvPr>
+        </p:nvSpPr>
+        <p:spPr>
+          <a:xfrm>
+            <a:off x="381000" y="685800"/>
+            <a:ext cx="6096000" cy="3429000"/>
+          </a:xfrm>
+          <a:custGeom>
+            <a:avLst/>
+            <a:gdLst/>
+            <a:ahLst/>
+            <a:cxnLst/>
+            <a:rect l="l" t="t" r="r" b="b"/>
+            <a:pathLst>
+              <a:path w="120000" h="120000" extrusionOk="0">
+                <a:moveTo>
+                  <a:pt x="0" y="0"/>
+                </a:moveTo>
+                <a:lnTo>
+                  <a:pt x="120000" y="0"/>
+                </a:lnTo>
+                <a:lnTo>
+                  <a:pt x="120000" y="120000"/>
+                </a:lnTo>
+                <a:lnTo>
+                  <a:pt x="0" y="120000"/>
+                </a:lnTo>
+                <a:close/>
+              </a:path>
+            </a:pathLst>
+          </a:custGeom>
+        </p:spPr>
+      </p:sp>
+      <p:sp>
+        <p:nvSpPr>
+          <p:cNvPr id="388" name="Google Shape;388;gb7223bd2a0_0_331:notes"/>
+          <p:cNvSpPr txBox="1">
+            <a:spLocks noGrp="1"/>
+          </p:cNvSpPr>
+          <p:nvPr>
+            <p:ph type="body" idx="1"/>
+          </p:nvPr>
+        </p:nvSpPr>
+        <p:spPr>
+          <a:xfrm>
+            <a:off x="685800" y="4343400"/>
+            <a:ext cx="5486400" cy="4114800"/>
+          </a:xfrm>
+          <a:prstGeom prst="rect">
+            <a:avLst/>
+          </a:prstGeom>
+        </p:spPr>
+        <p:txBody>
+          <a:bodyPr spcFirstLastPara="1" wrap="square" lIns="91425" tIns="91425" rIns="91425" bIns="91425" anchor="t" anchorCtr="0">
+            <a:noAutofit/>
+          </a:bodyPr>
+          <a:lstStyle/>
+          <a:p>
+            <a:pPr marL="0" lvl="0" indent="0" algn="l" rtl="0">
+              <a:spcBef>
+                <a:spcPts val="0"/>
+              </a:spcBef>
+              <a:spcAft>
+                <a:spcPts val="0"/>
+              </a:spcAft>
+              <a:buNone/>
+            </a:pPr>
+            <a:endParaRPr/>
+          </a:p>
+        </p:txBody>
+      </p:sp>
+    </p:spTree>
+    <p:extLst>
+      <p:ext uri="{BB962C8B-B14F-4D97-AF65-F5344CB8AC3E}">
+        <p14:creationId xmlns:p14="http://schemas.microsoft.com/office/powerpoint/2010/main" val="1827155669"/>
+      </p:ext>
+    </p:extLst>
+  </p:cSld>
+  <p:clrMapOvr>
+    <a:masterClrMapping/>
+  </p:clrMapOvr>
+</p:notes>
+</file>
+
 <file path=ppt/notesSlides/notesSlide2.xml><?xml version="1.0" encoding="utf-8"?>
 <p:notes xmlns:a="http://schemas.openxmlformats.org/drawingml/2006/main" xmlns:r="http://schemas.openxmlformats.org/officeDocument/2006/relationships" xmlns:p="http://schemas.openxmlformats.org/presentationml/2006/main" showMasterSp="0" showMasterPhAnim="0">
   <p:cSld>
@@ -1243,6 +1353,115 @@
   <p:cSld>
     <p:spTree>
       <p:nvGrpSpPr>
+        <p:cNvPr id="1" name="Shape 366"/>
+        <p:cNvGrpSpPr/>
+        <p:nvPr/>
+      </p:nvGrpSpPr>
+      <p:grpSpPr>
+        <a:xfrm>
+          <a:off x="0" y="0"/>
+          <a:ext cx="0" cy="0"/>
+          <a:chOff x="0" y="0"/>
+          <a:chExt cx="0" cy="0"/>
+        </a:xfrm>
+      </p:grpSpPr>
+      <p:sp>
+        <p:nvSpPr>
+          <p:cNvPr id="367" name="Google Shape;367;gcaee8303e0_0_0:notes"/>
+          <p:cNvSpPr>
+            <a:spLocks noGrp="1" noRot="1" noChangeAspect="1"/>
+          </p:cNvSpPr>
+          <p:nvPr>
+            <p:ph type="sldImg" idx="2"/>
+          </p:nvPr>
+        </p:nvSpPr>
+        <p:spPr>
+          <a:xfrm>
+            <a:off x="381000" y="685800"/>
+            <a:ext cx="6096000" cy="3429000"/>
+          </a:xfrm>
+          <a:custGeom>
+            <a:avLst/>
+            <a:gdLst/>
+            <a:ahLst/>
+            <a:cxnLst/>
+            <a:rect l="l" t="t" r="r" b="b"/>
+            <a:pathLst>
+              <a:path w="120000" h="120000" extrusionOk="0">
+                <a:moveTo>
+                  <a:pt x="0" y="0"/>
+                </a:moveTo>
+                <a:lnTo>
+                  <a:pt x="120000" y="0"/>
+                </a:lnTo>
+                <a:lnTo>
+                  <a:pt x="120000" y="120000"/>
+                </a:lnTo>
+                <a:lnTo>
+                  <a:pt x="0" y="120000"/>
+                </a:lnTo>
+                <a:close/>
+              </a:path>
+            </a:pathLst>
+          </a:custGeom>
+        </p:spPr>
+      </p:sp>
+      <p:sp>
+        <p:nvSpPr>
+          <p:cNvPr id="368" name="Google Shape;368;gcaee8303e0_0_0:notes"/>
+          <p:cNvSpPr txBox="1">
+            <a:spLocks noGrp="1"/>
+          </p:cNvSpPr>
+          <p:nvPr>
+            <p:ph type="body" idx="1"/>
+          </p:nvPr>
+        </p:nvSpPr>
+        <p:spPr>
+          <a:xfrm>
+            <a:off x="685800" y="4343400"/>
+            <a:ext cx="5486400" cy="4114800"/>
+          </a:xfrm>
+          <a:prstGeom prst="rect">
+            <a:avLst/>
+          </a:prstGeom>
+        </p:spPr>
+        <p:txBody>
+          <a:bodyPr spcFirstLastPara="1" wrap="square" lIns="91425" tIns="91425" rIns="91425" bIns="91425" anchor="t" anchorCtr="0">
+            <a:noAutofit/>
+          </a:bodyPr>
+          <a:lstStyle/>
+          <a:p>
+            <a:pPr marL="0" lvl="0" indent="0" algn="l" rtl="0">
+              <a:spcBef>
+                <a:spcPts val="0"/>
+              </a:spcBef>
+              <a:spcAft>
+                <a:spcPts val="0"/>
+              </a:spcAft>
+              <a:buNone/>
+            </a:pPr>
+            <a:endParaRPr/>
+          </a:p>
+        </p:txBody>
+      </p:sp>
+    </p:spTree>
+    <p:extLst>
+      <p:ext uri="{BB962C8B-B14F-4D97-AF65-F5344CB8AC3E}">
+        <p14:creationId xmlns:p14="http://schemas.microsoft.com/office/powerpoint/2010/main" val="563103498"/>
+      </p:ext>
+    </p:extLst>
+  </p:cSld>
+  <p:clrMapOvr>
+    <a:masterClrMapping/>
+  </p:clrMapOvr>
+</p:notes>
+</file>
+
+<file path=ppt/notesSlides/notesSlide7.xml><?xml version="1.0" encoding="utf-8"?>
+<p:notes xmlns:a="http://schemas.openxmlformats.org/drawingml/2006/main" xmlns:r="http://schemas.openxmlformats.org/officeDocument/2006/relationships" xmlns:p="http://schemas.openxmlformats.org/presentationml/2006/main" showMasterSp="0" showMasterPhAnim="0">
+  <p:cSld>
+    <p:spTree>
+      <p:nvGrpSpPr>
         <p:cNvPr id="1" name="Shape 376"/>
         <p:cNvGrpSpPr/>
         <p:nvPr/>
@@ -1299,110 +1518,6 @@
       <p:sp>
         <p:nvSpPr>
           <p:cNvPr id="378" name="Google Shape;378;gcaee8303e0_0_25:notes"/>
-          <p:cNvSpPr txBox="1">
-            <a:spLocks noGrp="1"/>
-          </p:cNvSpPr>
-          <p:nvPr>
-            <p:ph type="body" idx="1"/>
-          </p:nvPr>
-        </p:nvSpPr>
-        <p:spPr>
-          <a:xfrm>
-            <a:off x="685800" y="4343400"/>
-            <a:ext cx="5486400" cy="4114800"/>
-          </a:xfrm>
-          <a:prstGeom prst="rect">
-            <a:avLst/>
-          </a:prstGeom>
-        </p:spPr>
-        <p:txBody>
-          <a:bodyPr spcFirstLastPara="1" wrap="square" lIns="91425" tIns="91425" rIns="91425" bIns="91425" anchor="t" anchorCtr="0">
-            <a:noAutofit/>
-          </a:bodyPr>
-          <a:lstStyle/>
-          <a:p>
-            <a:pPr marL="0" lvl="0" indent="0" algn="l" rtl="0">
-              <a:spcBef>
-                <a:spcPts val="0"/>
-              </a:spcBef>
-              <a:spcAft>
-                <a:spcPts val="0"/>
-              </a:spcAft>
-              <a:buNone/>
-            </a:pPr>
-            <a:endParaRPr/>
-          </a:p>
-        </p:txBody>
-      </p:sp>
-    </p:spTree>
-  </p:cSld>
-  <p:clrMapOvr>
-    <a:masterClrMapping/>
-  </p:clrMapOvr>
-</p:notes>
-</file>
-
-<file path=ppt/notesSlides/notesSlide7.xml><?xml version="1.0" encoding="utf-8"?>
-<p:notes xmlns:a="http://schemas.openxmlformats.org/drawingml/2006/main" xmlns:r="http://schemas.openxmlformats.org/officeDocument/2006/relationships" xmlns:p="http://schemas.openxmlformats.org/presentationml/2006/main" showMasterSp="0" showMasterPhAnim="0">
-  <p:cSld>
-    <p:spTree>
-      <p:nvGrpSpPr>
-        <p:cNvPr id="1" name="Shape 386"/>
-        <p:cNvGrpSpPr/>
-        <p:nvPr/>
-      </p:nvGrpSpPr>
-      <p:grpSpPr>
-        <a:xfrm>
-          <a:off x="0" y="0"/>
-          <a:ext cx="0" cy="0"/>
-          <a:chOff x="0" y="0"/>
-          <a:chExt cx="0" cy="0"/>
-        </a:xfrm>
-      </p:grpSpPr>
-      <p:sp>
-        <p:nvSpPr>
-          <p:cNvPr id="387" name="Google Shape;387;gb7223bd2a0_0_331:notes"/>
-          <p:cNvSpPr>
-            <a:spLocks noGrp="1" noRot="1" noChangeAspect="1"/>
-          </p:cNvSpPr>
-          <p:nvPr>
-            <p:ph type="sldImg" idx="2"/>
-          </p:nvPr>
-        </p:nvSpPr>
-        <p:spPr>
-          <a:xfrm>
-            <a:off x="381000" y="685800"/>
-            <a:ext cx="6096000" cy="3429000"/>
-          </a:xfrm>
-          <a:custGeom>
-            <a:avLst/>
-            <a:gdLst/>
-            <a:ahLst/>
-            <a:cxnLst/>
-            <a:rect l="l" t="t" r="r" b="b"/>
-            <a:pathLst>
-              <a:path w="120000" h="120000" extrusionOk="0">
-                <a:moveTo>
-                  <a:pt x="0" y="0"/>
-                </a:moveTo>
-                <a:lnTo>
-                  <a:pt x="120000" y="0"/>
-                </a:lnTo>
-                <a:lnTo>
-                  <a:pt x="120000" y="120000"/>
-                </a:lnTo>
-                <a:lnTo>
-                  <a:pt x="0" y="120000"/>
-                </a:lnTo>
-                <a:close/>
-              </a:path>
-            </a:pathLst>
-          </a:custGeom>
-        </p:spPr>
-      </p:sp>
-      <p:sp>
-        <p:nvSpPr>
-          <p:cNvPr id="388" name="Google Shape;388;gb7223bd2a0_0_331:notes"/>
           <p:cNvSpPr txBox="1">
             <a:spLocks noGrp="1"/>
           </p:cNvSpPr>
@@ -1538,16 +1653,11 @@
               </a:spcAft>
               <a:buNone/>
             </a:pPr>
-            <a:endParaRPr dirty="0"/>
+            <a:endParaRPr/>
           </a:p>
         </p:txBody>
       </p:sp>
     </p:spTree>
-    <p:extLst>
-      <p:ext uri="{BB962C8B-B14F-4D97-AF65-F5344CB8AC3E}">
-        <p14:creationId xmlns:p14="http://schemas.microsoft.com/office/powerpoint/2010/main" val="1716727508"/>
-      </p:ext>
-    </p:extLst>
   </p:cSld>
   <p:clrMapOvr>
     <a:masterClrMapping/>
@@ -1647,14 +1757,14 @@
               </a:spcAft>
               <a:buNone/>
             </a:pPr>
-            <a:endParaRPr/>
+            <a:endParaRPr dirty="0"/>
           </a:p>
         </p:txBody>
       </p:sp>
     </p:spTree>
     <p:extLst>
       <p:ext uri="{BB962C8B-B14F-4D97-AF65-F5344CB8AC3E}">
-        <p14:creationId xmlns:p14="http://schemas.microsoft.com/office/powerpoint/2010/main" val="1827155669"/>
+        <p14:creationId xmlns:p14="http://schemas.microsoft.com/office/powerpoint/2010/main" val="1716727508"/>
       </p:ext>
     </p:extLst>
   </p:cSld>
@@ -6231,12 +6341,12 @@
               <a:buNone/>
             </a:pPr>
             <a:r>
-              <a:rPr lang="en-GB" sz="4000" b="1" dirty="0">
+              <a:rPr lang="en-GB" sz="4000" b="1" dirty="0" smtClean="0">
                 <a:solidFill>
                   <a:srgbClr val="FF6A0E"/>
                 </a:solidFill>
               </a:rPr>
-              <a:t>Project Name</a:t>
+              <a:t>Customer Segmentation</a:t>
             </a:r>
             <a:endParaRPr sz="4000" b="1" dirty="0">
               <a:solidFill>
@@ -6399,32 +6509,12 @@
           <a:lstStyle/>
           <a:p>
             <a:r>
-              <a:rPr lang="en-US" b="1" dirty="0">
+              <a:rPr lang="en-US" b="1" dirty="0" smtClean="0">
                 <a:solidFill>
                   <a:srgbClr val="FF6A0E"/>
                 </a:solidFill>
               </a:rPr>
-              <a:t>Your</a:t>
-            </a:r>
-            <a:r>
-              <a:rPr lang="en-US" b="1" dirty="0">
-                <a:solidFill>
-                  <a:schemeClr val="accent4">
-                    <a:lumMod val="75000"/>
-                  </a:schemeClr>
-                </a:solidFill>
-                <a:latin typeface="Arial" panose="020B0604020202020204" pitchFamily="34" charset="0"/>
-                <a:cs typeface="Arial" panose="020B0604020202020204" pitchFamily="34" charset="0"/>
-              </a:rPr>
-              <a:t> </a:t>
-            </a:r>
-            <a:r>
-              <a:rPr lang="en-US" b="1" dirty="0">
-                <a:solidFill>
-                  <a:srgbClr val="FF6A0E"/>
-                </a:solidFill>
-              </a:rPr>
-              <a:t>Name</a:t>
+              <a:t>Bhavesh Khanchandani</a:t>
             </a:r>
             <a:endParaRPr lang="en-IN" b="1" dirty="0">
               <a:solidFill>
@@ -6465,6 +6555,298 @@
         </p:spPr>
       </p:pic>
     </p:spTree>
+  </p:cSld>
+  <p:clrMapOvr>
+    <a:masterClrMapping/>
+  </p:clrMapOvr>
+</p:sld>
+</file>
+
+<file path=ppt/slides/slide10.xml><?xml version="1.0" encoding="utf-8"?>
+<p:sld xmlns:a="http://schemas.openxmlformats.org/drawingml/2006/main" xmlns:r="http://schemas.openxmlformats.org/officeDocument/2006/relationships" xmlns:p="http://schemas.openxmlformats.org/presentationml/2006/main">
+  <p:cSld>
+    <p:spTree>
+      <p:nvGrpSpPr>
+        <p:cNvPr id="1" name="Shape 389"/>
+        <p:cNvGrpSpPr/>
+        <p:nvPr/>
+      </p:nvGrpSpPr>
+      <p:grpSpPr>
+        <a:xfrm>
+          <a:off x="0" y="0"/>
+          <a:ext cx="0" cy="0"/>
+          <a:chOff x="0" y="0"/>
+          <a:chExt cx="0" cy="0"/>
+        </a:xfrm>
+      </p:grpSpPr>
+      <p:sp>
+        <p:nvSpPr>
+          <p:cNvPr id="391" name="Google Shape;391;p19"/>
+          <p:cNvSpPr txBox="1">
+            <a:spLocks noGrp="1"/>
+          </p:cNvSpPr>
+          <p:nvPr>
+            <p:ph type="ctrTitle"/>
+          </p:nvPr>
+        </p:nvSpPr>
+        <p:spPr>
+          <a:xfrm>
+            <a:off x="0" y="-4252"/>
+            <a:ext cx="9144000" cy="742658"/>
+          </a:xfrm>
+          <a:prstGeom prst="rect">
+            <a:avLst/>
+          </a:prstGeom>
+          <a:solidFill>
+            <a:srgbClr val="FF6A0E"/>
+          </a:solidFill>
+          <a:ln w="9525" cap="flat" cmpd="sng">
+            <a:solidFill>
+              <a:srgbClr val="FFFFFF"/>
+            </a:solidFill>
+            <a:prstDash val="solid"/>
+            <a:round/>
+            <a:headEnd type="none" w="sm" len="sm"/>
+            <a:tailEnd type="none" w="sm" len="sm"/>
+          </a:ln>
+        </p:spPr>
+        <p:txBody>
+          <a:bodyPr spcFirstLastPara="1" wrap="square" lIns="91425" tIns="91425" rIns="91425" bIns="91425" anchor="t" anchorCtr="0">
+            <a:noAutofit/>
+          </a:bodyPr>
+          <a:lstStyle/>
+          <a:p>
+            <a:pPr marL="450000" lvl="0" indent="0" algn="l" rtl="0">
+              <a:lnSpc>
+                <a:spcPct val="150000"/>
+              </a:lnSpc>
+              <a:spcBef>
+                <a:spcPts val="0"/>
+              </a:spcBef>
+              <a:spcAft>
+                <a:spcPts val="1600"/>
+              </a:spcAft>
+              <a:buNone/>
+            </a:pPr>
+            <a:r>
+              <a:rPr lang="en-GB" sz="3000" b="1" dirty="0">
+                <a:solidFill>
+                  <a:srgbClr val="FFFFFF"/>
+                </a:solidFill>
+                <a:latin typeface="Roboto"/>
+                <a:ea typeface="Roboto"/>
+                <a:cs typeface="Roboto"/>
+                <a:sym typeface="Roboto"/>
+              </a:rPr>
+              <a:t>Future Scope</a:t>
+            </a:r>
+            <a:endParaRPr sz="3000" b="1" dirty="0">
+              <a:solidFill>
+                <a:srgbClr val="FFFFFF"/>
+              </a:solidFill>
+              <a:latin typeface="Roboto"/>
+              <a:ea typeface="Roboto"/>
+              <a:cs typeface="Roboto"/>
+              <a:sym typeface="Roboto"/>
+            </a:endParaRPr>
+          </a:p>
+        </p:txBody>
+      </p:sp>
+      <p:sp>
+        <p:nvSpPr>
+          <p:cNvPr id="392" name="Google Shape;392;p19"/>
+          <p:cNvSpPr txBox="1"/>
+          <p:nvPr/>
+        </p:nvSpPr>
+        <p:spPr>
+          <a:xfrm>
+            <a:off x="0" y="766150"/>
+            <a:ext cx="9144000" cy="4034449"/>
+          </a:xfrm>
+          <a:prstGeom prst="rect">
+            <a:avLst/>
+          </a:prstGeom>
+          <a:noFill/>
+          <a:ln>
+            <a:noFill/>
+          </a:ln>
+        </p:spPr>
+        <p:txBody>
+          <a:bodyPr spcFirstLastPara="1" wrap="square" lIns="274300" tIns="274300" rIns="274300" bIns="274300" anchor="t" anchorCtr="0">
+            <a:noAutofit/>
+          </a:bodyPr>
+          <a:lstStyle/>
+          <a:p>
+            <a:pPr marL="457200" lvl="0" indent="0" algn="just" rtl="0">
+              <a:lnSpc>
+                <a:spcPct val="150000"/>
+              </a:lnSpc>
+              <a:spcBef>
+                <a:spcPts val="1600"/>
+              </a:spcBef>
+              <a:spcAft>
+                <a:spcPts val="1600"/>
+              </a:spcAft>
+              <a:buNone/>
+            </a:pPr>
+            <a:endParaRPr sz="2000" dirty="0">
+              <a:solidFill>
+                <a:schemeClr val="dk1"/>
+              </a:solidFill>
+              <a:latin typeface="Roboto"/>
+              <a:ea typeface="Roboto"/>
+              <a:cs typeface="Roboto"/>
+              <a:sym typeface="Roboto"/>
+            </a:endParaRPr>
+          </a:p>
+        </p:txBody>
+      </p:sp>
+      <p:sp>
+        <p:nvSpPr>
+          <p:cNvPr id="393" name="Google Shape;393;p19"/>
+          <p:cNvSpPr txBox="1"/>
+          <p:nvPr/>
+        </p:nvSpPr>
+        <p:spPr>
+          <a:xfrm>
+            <a:off x="-10050" y="4800600"/>
+            <a:ext cx="9164100" cy="270600"/>
+          </a:xfrm>
+          <a:prstGeom prst="rect">
+            <a:avLst/>
+          </a:prstGeom>
+          <a:solidFill>
+            <a:srgbClr val="FF6A0E"/>
+          </a:solidFill>
+          <a:ln>
+            <a:noFill/>
+          </a:ln>
+        </p:spPr>
+        <p:txBody>
+          <a:bodyPr spcFirstLastPara="1" wrap="square" lIns="91425" tIns="91425" rIns="91425" bIns="91425" anchor="ctr" anchorCtr="0">
+            <a:noAutofit/>
+          </a:bodyPr>
+          <a:lstStyle/>
+          <a:p>
+            <a:pPr marL="0" marR="182880" lvl="0" indent="0" algn="r" rtl="0">
+              <a:spcBef>
+                <a:spcPts val="0"/>
+              </a:spcBef>
+              <a:spcAft>
+                <a:spcPts val="0"/>
+              </a:spcAft>
+              <a:buNone/>
+            </a:pPr>
+            <a:r>
+              <a:rPr lang="en-GB" sz="1200">
+                <a:solidFill>
+                  <a:srgbClr val="FFFFFF"/>
+                </a:solidFill>
+                <a:latin typeface="Roboto"/>
+                <a:ea typeface="Roboto"/>
+                <a:cs typeface="Roboto"/>
+                <a:sym typeface="Roboto"/>
+              </a:rPr>
+              <a:t>© All rights reserved by Fireblaze Technologies Pvt. Ltd.</a:t>
+            </a:r>
+            <a:endParaRPr sz="1200">
+              <a:solidFill>
+                <a:srgbClr val="FFFFFF"/>
+              </a:solidFill>
+              <a:latin typeface="Roboto"/>
+              <a:ea typeface="Roboto"/>
+              <a:cs typeface="Roboto"/>
+              <a:sym typeface="Roboto"/>
+            </a:endParaRPr>
+          </a:p>
+        </p:txBody>
+      </p:sp>
+      <p:sp>
+        <p:nvSpPr>
+          <p:cNvPr id="394" name="Google Shape;394;p19"/>
+          <p:cNvSpPr/>
+          <p:nvPr/>
+        </p:nvSpPr>
+        <p:spPr>
+          <a:xfrm rot="10800000">
+            <a:off x="8637600" y="97750"/>
+            <a:ext cx="506400" cy="566400"/>
+          </a:xfrm>
+          <a:prstGeom prst="rtTriangle">
+            <a:avLst/>
+          </a:prstGeom>
+          <a:solidFill>
+            <a:srgbClr val="FF9900"/>
+          </a:solidFill>
+          <a:ln>
+            <a:noFill/>
+          </a:ln>
+        </p:spPr>
+        <p:txBody>
+          <a:bodyPr spcFirstLastPara="1" wrap="square" lIns="91425" tIns="91425" rIns="91425" bIns="91425" anchor="ctr" anchorCtr="0">
+            <a:noAutofit/>
+          </a:bodyPr>
+          <a:lstStyle/>
+          <a:p>
+            <a:pPr marL="0" lvl="0" indent="0" algn="l" rtl="0">
+              <a:spcBef>
+                <a:spcPts val="0"/>
+              </a:spcBef>
+              <a:spcAft>
+                <a:spcPts val="0"/>
+              </a:spcAft>
+              <a:buNone/>
+            </a:pPr>
+            <a:endParaRPr/>
+          </a:p>
+        </p:txBody>
+      </p:sp>
+      <p:sp>
+        <p:nvSpPr>
+          <p:cNvPr id="395" name="Google Shape;395;p19"/>
+          <p:cNvSpPr/>
+          <p:nvPr/>
+        </p:nvSpPr>
+        <p:spPr>
+          <a:xfrm>
+            <a:off x="0" y="4800600"/>
+            <a:ext cx="326400" cy="270600"/>
+          </a:xfrm>
+          <a:prstGeom prst="rtTriangle">
+            <a:avLst/>
+          </a:prstGeom>
+          <a:solidFill>
+            <a:srgbClr val="FF9900"/>
+          </a:solidFill>
+          <a:ln>
+            <a:noFill/>
+          </a:ln>
+        </p:spPr>
+        <p:txBody>
+          <a:bodyPr spcFirstLastPara="1" wrap="square" lIns="91425" tIns="91425" rIns="91425" bIns="91425" anchor="ctr" anchorCtr="0">
+            <a:noAutofit/>
+          </a:bodyPr>
+          <a:lstStyle/>
+          <a:p>
+            <a:pPr marL="0" lvl="0" indent="0" algn="l" rtl="0">
+              <a:spcBef>
+                <a:spcPts val="0"/>
+              </a:spcBef>
+              <a:spcAft>
+                <a:spcPts val="0"/>
+              </a:spcAft>
+              <a:buNone/>
+            </a:pPr>
+            <a:endParaRPr/>
+          </a:p>
+        </p:txBody>
+      </p:sp>
+    </p:spTree>
+    <p:extLst>
+      <p:ext uri="{BB962C8B-B14F-4D97-AF65-F5344CB8AC3E}">
+        <p14:creationId xmlns:p14="http://schemas.microsoft.com/office/powerpoint/2010/main" val="966557344"/>
+      </p:ext>
+    </p:extLst>
   </p:cSld>
   <p:clrMapOvr>
     <a:masterClrMapping/>
@@ -6587,27 +6969,74 @@
           </a:bodyPr>
           <a:lstStyle/>
           <a:p>
-            <a:pPr marL="101600" lvl="0" algn="just" rtl="0">
+            <a:pPr marL="444500" lvl="0" indent="-342900">
               <a:lnSpc>
                 <a:spcPct val="150000"/>
               </a:lnSpc>
-              <a:spcBef>
-                <a:spcPts val="0"/>
-              </a:spcBef>
-              <a:spcAft>
-                <a:spcPts val="0"/>
-              </a:spcAft>
-              <a:buClr>
-                <a:srgbClr val="000000"/>
-              </a:buClr>
               <a:buSzPts val="2000"/>
+              <a:buFont typeface="Arial" panose="020B0604020202020204" pitchFamily="34" charset="0"/>
+              <a:buChar char="•"/>
             </a:pPr>
-            <a:endParaRPr sz="2000" dirty="0">
+            <a:r>
+              <a:rPr lang="en-US" sz="1600" dirty="0">
+                <a:latin typeface="Roboto" panose="020B0604020202020204" charset="0"/>
+                <a:ea typeface="Roboto" panose="020B0604020202020204" charset="0"/>
+              </a:rPr>
+              <a:t>A company that sells some of the product, and you want to know how well the selling performance of the product. You have the data that we can analyze, but what kind of analysis can we do? Well, we can segment customers based on their buying behavior on the market. </a:t>
+            </a:r>
+            <a:endParaRPr lang="en-US" sz="1600" dirty="0" smtClean="0">
+              <a:latin typeface="Roboto" panose="020B0604020202020204" charset="0"/>
+              <a:ea typeface="Roboto" panose="020B0604020202020204" charset="0"/>
+            </a:endParaRPr>
+          </a:p>
+          <a:p>
+            <a:pPr marL="444500" lvl="0" indent="-342900">
+              <a:lnSpc>
+                <a:spcPct val="150000"/>
+              </a:lnSpc>
+              <a:buSzPts val="2000"/>
+              <a:buFont typeface="Arial" panose="020B0604020202020204" pitchFamily="34" charset="0"/>
+              <a:buChar char="•"/>
+            </a:pPr>
+            <a:r>
+              <a:rPr lang="en-US" sz="1600" dirty="0"/>
+              <a:t>Keep in mind that the data is really huge, and we can not analyze it using our bare eyes. We will use machine learning algorithms and the power of computing for it. </a:t>
+            </a:r>
+            <a:endParaRPr lang="en-US" sz="1600" dirty="0" smtClean="0"/>
+          </a:p>
+          <a:p>
+            <a:pPr marL="444500" lvl="0" indent="-342900">
+              <a:lnSpc>
+                <a:spcPct val="150000"/>
+              </a:lnSpc>
+              <a:buSzPts val="2000"/>
+              <a:buFont typeface="Arial" panose="020B0604020202020204" pitchFamily="34" charset="0"/>
+              <a:buChar char="•"/>
+            </a:pPr>
+            <a:r>
+              <a:rPr lang="en-US" sz="1600" dirty="0"/>
+              <a:t>This project will show you how to cluster customers on segments based on their behavior using the clustering algorithm in Python</a:t>
+            </a:r>
+            <a:r>
+              <a:rPr lang="en-US" sz="1600" dirty="0" smtClean="0"/>
+              <a:t>.</a:t>
+            </a:r>
+          </a:p>
+          <a:p>
+            <a:pPr marL="444500" lvl="0" indent="-342900">
+              <a:lnSpc>
+                <a:spcPct val="150000"/>
+              </a:lnSpc>
+              <a:buSzPts val="2000"/>
+              <a:buFont typeface="Arial" panose="020B0604020202020204" pitchFamily="34" charset="0"/>
+              <a:buChar char="•"/>
+            </a:pPr>
+            <a:endParaRPr sz="1600" dirty="0">
               <a:solidFill>
                 <a:schemeClr val="dk1"/>
               </a:solidFill>
-              <a:latin typeface="Roboto"/>
-              <a:ea typeface="Roboto"/>
+              <a:latin typeface="Roboto" panose="020B0604020202020204" charset="0"/>
+              <a:ea typeface="Roboto" panose="020B0604020202020204" charset="0"/>
               <a:cs typeface="Roboto"/>
               <a:sym typeface="Roboto"/>
             </a:endParaRPr>
@@ -6860,7 +7289,7 @@
         </p:nvSpPr>
         <p:spPr>
           <a:xfrm>
-            <a:off x="0" y="802200"/>
+            <a:off x="10050" y="802200"/>
             <a:ext cx="9144000" cy="3998400"/>
           </a:xfrm>
           <a:prstGeom prst="rect">
@@ -6877,7 +7306,7 @@
           </a:bodyPr>
           <a:lstStyle/>
           <a:p>
-            <a:pPr marL="0" lvl="0" indent="0" algn="just" rtl="0">
+            <a:pPr lvl="0">
               <a:lnSpc>
                 <a:spcPct val="150000"/>
               </a:lnSpc>
@@ -6887,14 +7316,211 @@
               <a:spcAft>
                 <a:spcPts val="1600"/>
               </a:spcAft>
-              <a:buNone/>
             </a:pPr>
-            <a:endParaRPr sz="2000" dirty="0">
+            <a:r>
+              <a:rPr lang="en-US" sz="1600" dirty="0">
+                <a:latin typeface="Roboto" panose="020B0604020202020204" charset="0"/>
+                <a:ea typeface="Roboto" panose="020B0604020202020204" charset="0"/>
+              </a:rPr>
+              <a:t>Data Preprocessing : This step performs all pre-processing steps such as data manipulation, data </a:t>
+            </a:r>
+            <a:r>
+              <a:rPr lang="en-US" sz="1600" dirty="0" smtClean="0">
+                <a:latin typeface="Roboto" panose="020B0604020202020204" charset="0"/>
+                <a:ea typeface="Roboto" panose="020B0604020202020204" charset="0"/>
+              </a:rPr>
+              <a:t>filling, converting </a:t>
+            </a:r>
+            <a:r>
+              <a:rPr lang="en-US" sz="1600" dirty="0">
+                <a:latin typeface="Roboto" panose="020B0604020202020204" charset="0"/>
+                <a:ea typeface="Roboto" panose="020B0604020202020204" charset="0"/>
+              </a:rPr>
+              <a:t>categorical into numeric, and all processes. </a:t>
+            </a:r>
+            <a:r>
+              <a:rPr lang="en-US" sz="1600" dirty="0" smtClean="0">
+                <a:latin typeface="Roboto" panose="020B0604020202020204" charset="0"/>
+                <a:ea typeface="Roboto" panose="020B0604020202020204" charset="0"/>
+              </a:rPr>
+              <a:t/>
+            </a:r>
+            <a:br>
+              <a:rPr lang="en-US" sz="1600" dirty="0" smtClean="0">
+                <a:latin typeface="Roboto" panose="020B0604020202020204" charset="0"/>
+                <a:ea typeface="Roboto" panose="020B0604020202020204" charset="0"/>
+              </a:rPr>
+            </a:br>
+            <a:r>
+              <a:rPr lang="en-US" sz="1600" dirty="0" smtClean="0">
+                <a:latin typeface="Roboto" panose="020B0604020202020204" charset="0"/>
+                <a:ea typeface="Roboto" panose="020B0604020202020204" charset="0"/>
+              </a:rPr>
+              <a:t> </a:t>
+            </a:r>
+            <a:r>
+              <a:rPr lang="en-US" sz="1600" dirty="0">
+                <a:latin typeface="Roboto" panose="020B0604020202020204" charset="0"/>
+                <a:ea typeface="Roboto" panose="020B0604020202020204" charset="0"/>
+              </a:rPr>
+              <a:t>The EDA process involves performing </a:t>
+            </a:r>
+            <a:r>
+              <a:rPr lang="en-US" sz="1600" dirty="0" smtClean="0">
+                <a:latin typeface="Roboto" panose="020B0604020202020204" charset="0"/>
+                <a:ea typeface="Roboto" panose="020B0604020202020204" charset="0"/>
+              </a:rPr>
+              <a:t/>
+            </a:r>
+            <a:br>
+              <a:rPr lang="en-US" sz="1600" dirty="0" smtClean="0">
+                <a:latin typeface="Roboto" panose="020B0604020202020204" charset="0"/>
+                <a:ea typeface="Roboto" panose="020B0604020202020204" charset="0"/>
+              </a:rPr>
+            </a:br>
+            <a:r>
+              <a:rPr lang="en-US" sz="1600" dirty="0" smtClean="0">
+                <a:latin typeface="Roboto" panose="020B0604020202020204" charset="0"/>
+                <a:ea typeface="Roboto" panose="020B0604020202020204" charset="0"/>
+              </a:rPr>
+              <a:t>1</a:t>
+            </a:r>
+            <a:r>
+              <a:rPr lang="en-US" sz="1600" dirty="0">
+                <a:latin typeface="Roboto" panose="020B0604020202020204" charset="0"/>
+                <a:ea typeface="Roboto" panose="020B0604020202020204" charset="0"/>
+              </a:rPr>
+              <a:t>. Univariate </a:t>
+            </a:r>
+            <a:r>
+              <a:rPr lang="en-US" sz="1600" dirty="0" smtClean="0">
+                <a:latin typeface="Roboto" panose="020B0604020202020204" charset="0"/>
+                <a:ea typeface="Roboto" panose="020B0604020202020204" charset="0"/>
+              </a:rPr>
+              <a:t>Analysis </a:t>
+            </a:r>
+            <a:br>
+              <a:rPr lang="en-US" sz="1600" dirty="0" smtClean="0">
+                <a:latin typeface="Roboto" panose="020B0604020202020204" charset="0"/>
+                <a:ea typeface="Roboto" panose="020B0604020202020204" charset="0"/>
+              </a:rPr>
+            </a:br>
+            <a:r>
+              <a:rPr lang="en-US" sz="1600" dirty="0" smtClean="0">
+                <a:latin typeface="Roboto" panose="020B0604020202020204" charset="0"/>
+                <a:ea typeface="Roboto" panose="020B0604020202020204" charset="0"/>
+              </a:rPr>
+              <a:t>2</a:t>
+            </a:r>
+            <a:r>
+              <a:rPr lang="en-US" sz="1600" dirty="0">
+                <a:latin typeface="Roboto" panose="020B0604020202020204" charset="0"/>
+                <a:ea typeface="Roboto" panose="020B0604020202020204" charset="0"/>
+              </a:rPr>
+              <a:t>. Bivariate </a:t>
+            </a:r>
+            <a:r>
+              <a:rPr lang="en-US" sz="1600" dirty="0" smtClean="0">
+                <a:latin typeface="Roboto" panose="020B0604020202020204" charset="0"/>
+                <a:ea typeface="Roboto" panose="020B0604020202020204" charset="0"/>
+              </a:rPr>
+              <a:t>analysis</a:t>
+            </a:r>
+            <a:br>
+              <a:rPr lang="en-US" sz="1600" dirty="0" smtClean="0">
+                <a:latin typeface="Roboto" panose="020B0604020202020204" charset="0"/>
+                <a:ea typeface="Roboto" panose="020B0604020202020204" charset="0"/>
+              </a:rPr>
+            </a:br>
+            <a:r>
+              <a:rPr lang="en-US" sz="1600" dirty="0" smtClean="0">
+                <a:latin typeface="Roboto" panose="020B0604020202020204" charset="0"/>
+                <a:ea typeface="Roboto" panose="020B0604020202020204" charset="0"/>
+              </a:rPr>
+              <a:t>3</a:t>
+            </a:r>
+            <a:r>
+              <a:rPr lang="en-US" sz="1600" dirty="0">
+                <a:latin typeface="Roboto" panose="020B0604020202020204" charset="0"/>
+                <a:ea typeface="Roboto" panose="020B0604020202020204" charset="0"/>
+              </a:rPr>
+              <a:t>. Removing Missing values if any / Outlier treatment </a:t>
+            </a:r>
+            <a:br>
+              <a:rPr lang="en-US" sz="1600" dirty="0">
+                <a:latin typeface="Roboto" panose="020B0604020202020204" charset="0"/>
+                <a:ea typeface="Roboto" panose="020B0604020202020204" charset="0"/>
+              </a:rPr>
+            </a:br>
+            <a:r>
+              <a:rPr lang="en-US" sz="1600" dirty="0" smtClean="0">
+                <a:latin typeface="Roboto" panose="020B0604020202020204" charset="0"/>
+                <a:ea typeface="Roboto" panose="020B0604020202020204" charset="0"/>
+              </a:rPr>
+              <a:t> </a:t>
+            </a:r>
+            <a:r>
+              <a:rPr lang="en-US" sz="1600" dirty="0">
+                <a:latin typeface="Roboto" panose="020B0604020202020204" charset="0"/>
+                <a:ea typeface="Roboto" panose="020B0604020202020204" charset="0"/>
+              </a:rPr>
+              <a:t>4. Machine Learning : </a:t>
+            </a:r>
+            <a:r>
+              <a:rPr lang="en-US" sz="1600" dirty="0" smtClean="0">
+                <a:latin typeface="Roboto" panose="020B0604020202020204" charset="0"/>
+                <a:ea typeface="Roboto" panose="020B0604020202020204" charset="0"/>
+              </a:rPr>
+              <a:t> </a:t>
+            </a:r>
+            <a:r>
+              <a:rPr lang="en-US" sz="1600" dirty="0">
+                <a:latin typeface="Roboto" panose="020B0604020202020204" charset="0"/>
+                <a:ea typeface="Roboto" panose="020B0604020202020204" charset="0"/>
+              </a:rPr>
+              <a:t>Build a clustering model to segment the customer-based </a:t>
+            </a:r>
+            <a:r>
+              <a:rPr lang="en-US" sz="1600" dirty="0" err="1" smtClean="0">
+                <a:latin typeface="Roboto" panose="020B0604020202020204" charset="0"/>
+                <a:ea typeface="Roboto" panose="020B0604020202020204" charset="0"/>
+              </a:rPr>
+              <a:t>similarity.Also</a:t>
+            </a:r>
+            <a:r>
+              <a:rPr lang="en-US" sz="1600" dirty="0" smtClean="0">
+                <a:latin typeface="Roboto" panose="020B0604020202020204" charset="0"/>
+                <a:ea typeface="Roboto" panose="020B0604020202020204" charset="0"/>
+              </a:rPr>
+              <a:t> </a:t>
+            </a:r>
+            <a:r>
+              <a:rPr lang="en-US" sz="1600" dirty="0">
+                <a:latin typeface="Roboto" panose="020B0604020202020204" charset="0"/>
+                <a:ea typeface="Roboto" panose="020B0604020202020204" charset="0"/>
+              </a:rPr>
+              <a:t>fine-tune the </a:t>
+            </a:r>
+            <a:r>
+              <a:rPr lang="en-US" sz="1600" dirty="0" smtClean="0">
+                <a:latin typeface="Roboto" panose="020B0604020202020204" charset="0"/>
+                <a:ea typeface="Roboto" panose="020B0604020202020204" charset="0"/>
+              </a:rPr>
+              <a:t>hyper parameters </a:t>
+            </a:r>
+            <a:r>
+              <a:rPr lang="en-US" sz="1600" dirty="0">
+                <a:latin typeface="Roboto" panose="020B0604020202020204" charset="0"/>
+                <a:ea typeface="Roboto" panose="020B0604020202020204" charset="0"/>
+              </a:rPr>
+              <a:t>&amp; compare the evaluation metrics of various classification algorithms</a:t>
+            </a:r>
+            <a:endParaRPr sz="1600" dirty="0">
               <a:solidFill>
                 <a:schemeClr val="dk1"/>
               </a:solidFill>
-              <a:latin typeface="Roboto"/>
-              <a:ea typeface="Roboto"/>
+              <a:latin typeface="Roboto" panose="020B0604020202020204" charset="0"/>
+              <a:ea typeface="Roboto" panose="020B0604020202020204" charset="0"/>
               <a:cs typeface="Roboto"/>
               <a:sym typeface="Roboto"/>
             </a:endParaRPr>
@@ -7325,6 +7951,126 @@
           </a:p>
         </p:txBody>
       </p:sp>
+      <p:pic>
+        <p:nvPicPr>
+          <p:cNvPr id="3" name="Picture 2"/>
+          <p:cNvPicPr>
+            <a:picLocks noChangeAspect="1"/>
+          </p:cNvPicPr>
+          <p:nvPr/>
+        </p:nvPicPr>
+        <p:blipFill>
+          <a:blip r:embed="rId3"/>
+          <a:stretch>
+            <a:fillRect/>
+          </a:stretch>
+        </p:blipFill>
+        <p:spPr>
+          <a:xfrm>
+            <a:off x="527021" y="892479"/>
+            <a:ext cx="8222693" cy="1013548"/>
+          </a:xfrm>
+          <a:prstGeom prst="rect">
+            <a:avLst/>
+          </a:prstGeom>
+        </p:spPr>
+      </p:pic>
+      <p:pic>
+        <p:nvPicPr>
+          <p:cNvPr id="4" name="Picture 3"/>
+          <p:cNvPicPr>
+            <a:picLocks noChangeAspect="1"/>
+          </p:cNvPicPr>
+          <p:nvPr/>
+        </p:nvPicPr>
+        <p:blipFill>
+          <a:blip r:embed="rId4"/>
+          <a:stretch>
+            <a:fillRect/>
+          </a:stretch>
+        </p:blipFill>
+        <p:spPr>
+          <a:xfrm>
+            <a:off x="527021" y="2050732"/>
+            <a:ext cx="937341" cy="548688"/>
+          </a:xfrm>
+          <a:prstGeom prst="rect">
+            <a:avLst/>
+          </a:prstGeom>
+        </p:spPr>
+      </p:pic>
+      <p:pic>
+        <p:nvPicPr>
+          <p:cNvPr id="5" name="Picture 4"/>
+          <p:cNvPicPr>
+            <a:picLocks noChangeAspect="1"/>
+          </p:cNvPicPr>
+          <p:nvPr/>
+        </p:nvPicPr>
+        <p:blipFill>
+          <a:blip r:embed="rId5"/>
+          <a:stretch>
+            <a:fillRect/>
+          </a:stretch>
+        </p:blipFill>
+        <p:spPr>
+          <a:xfrm>
+            <a:off x="1547284" y="2050732"/>
+            <a:ext cx="2352520" cy="1511464"/>
+          </a:xfrm>
+          <a:prstGeom prst="rect">
+            <a:avLst/>
+          </a:prstGeom>
+        </p:spPr>
+      </p:pic>
+      <p:pic>
+        <p:nvPicPr>
+          <p:cNvPr id="6" name="Picture 5"/>
+          <p:cNvPicPr>
+            <a:picLocks noChangeAspect="1"/>
+          </p:cNvPicPr>
+          <p:nvPr/>
+        </p:nvPicPr>
+        <p:blipFill>
+          <a:blip r:embed="rId6"/>
+          <a:stretch>
+            <a:fillRect/>
+          </a:stretch>
+        </p:blipFill>
+        <p:spPr>
+          <a:xfrm>
+            <a:off x="3982726" y="2050732"/>
+            <a:ext cx="2357436" cy="1250466"/>
+          </a:xfrm>
+          <a:prstGeom prst="rect">
+            <a:avLst/>
+          </a:prstGeom>
+        </p:spPr>
+      </p:pic>
+      <p:pic>
+        <p:nvPicPr>
+          <p:cNvPr id="7" name="Picture 6"/>
+          <p:cNvPicPr>
+            <a:picLocks noChangeAspect="1"/>
+          </p:cNvPicPr>
+          <p:nvPr/>
+        </p:nvPicPr>
+        <p:blipFill>
+          <a:blip r:embed="rId7"/>
+          <a:stretch>
+            <a:fillRect/>
+          </a:stretch>
+        </p:blipFill>
+        <p:spPr>
+          <a:xfrm>
+            <a:off x="6382855" y="2050732"/>
+            <a:ext cx="2374895" cy="1936378"/>
+          </a:xfrm>
+          <a:prstGeom prst="rect">
+            <a:avLst/>
+          </a:prstGeom>
+        </p:spPr>
+      </p:pic>
     </p:spTree>
   </p:cSld>
   <p:clrMapOvr>
@@ -7400,7 +8146,7 @@
               <a:buNone/>
             </a:pPr>
             <a:r>
-              <a:rPr lang="en-GB" sz="3000" b="1" dirty="0">
+              <a:rPr lang="en-GB" sz="3000" b="1" dirty="0" smtClean="0">
                 <a:solidFill>
                   <a:srgbClr val="FFFFFF"/>
                 </a:solidFill>
@@ -7409,19 +8155,7 @@
                 <a:cs typeface="Roboto"/>
                 <a:sym typeface="Roboto"/>
               </a:rPr>
-              <a:t>Effect of Data </a:t>
-            </a:r>
-            <a:r>
-              <a:rPr lang="en-GB" sz="3000" b="1" dirty="0" err="1">
-                <a:solidFill>
-                  <a:srgbClr val="FFFFFF"/>
-                </a:solidFill>
-                <a:latin typeface="Roboto"/>
-                <a:ea typeface="Roboto"/>
-                <a:cs typeface="Roboto"/>
-                <a:sym typeface="Roboto"/>
-              </a:rPr>
-              <a:t>Preprocessing</a:t>
+              <a:t>Exploratory Data Analysis</a:t>
             </a:r>
             <a:endParaRPr sz="3000" b="1" dirty="0">
               <a:solidFill>
@@ -7443,7 +8177,7 @@
         </p:nvSpPr>
         <p:spPr>
           <a:xfrm>
-            <a:off x="10050" y="679207"/>
+            <a:off x="10050" y="634136"/>
             <a:ext cx="9144000" cy="4136400"/>
           </a:xfrm>
           <a:prstGeom prst="rect">
@@ -7621,6 +8355,102 @@
           </a:p>
         </p:txBody>
       </p:sp>
+      <p:pic>
+        <p:nvPicPr>
+          <p:cNvPr id="2" name="Picture 1"/>
+          <p:cNvPicPr>
+            <a:picLocks noChangeAspect="1"/>
+          </p:cNvPicPr>
+          <p:nvPr/>
+        </p:nvPicPr>
+        <p:blipFill>
+          <a:blip r:embed="rId3"/>
+          <a:stretch>
+            <a:fillRect/>
+          </a:stretch>
+        </p:blipFill>
+        <p:spPr>
+          <a:xfrm>
+            <a:off x="214820" y="904071"/>
+            <a:ext cx="3611168" cy="1452716"/>
+          </a:xfrm>
+          <a:prstGeom prst="rect">
+            <a:avLst/>
+          </a:prstGeom>
+        </p:spPr>
+      </p:pic>
+      <p:pic>
+        <p:nvPicPr>
+          <p:cNvPr id="3" name="Picture 2"/>
+          <p:cNvPicPr>
+            <a:picLocks noChangeAspect="1"/>
+          </p:cNvPicPr>
+          <p:nvPr/>
+        </p:nvPicPr>
+        <p:blipFill>
+          <a:blip r:embed="rId4"/>
+          <a:stretch>
+            <a:fillRect/>
+          </a:stretch>
+        </p:blipFill>
+        <p:spPr>
+          <a:xfrm>
+            <a:off x="214820" y="2455673"/>
+            <a:ext cx="3442094" cy="1834082"/>
+          </a:xfrm>
+          <a:prstGeom prst="rect">
+            <a:avLst/>
+          </a:prstGeom>
+        </p:spPr>
+      </p:pic>
+      <p:pic>
+        <p:nvPicPr>
+          <p:cNvPr id="4" name="Picture 3"/>
+          <p:cNvPicPr>
+            <a:picLocks noChangeAspect="1"/>
+          </p:cNvPicPr>
+          <p:nvPr/>
+        </p:nvPicPr>
+        <p:blipFill>
+          <a:blip r:embed="rId5"/>
+          <a:stretch>
+            <a:fillRect/>
+          </a:stretch>
+        </p:blipFill>
+        <p:spPr>
+          <a:xfrm>
+            <a:off x="4030758" y="904071"/>
+            <a:ext cx="4184409" cy="1733383"/>
+          </a:xfrm>
+          <a:prstGeom prst="rect">
+            <a:avLst/>
+          </a:prstGeom>
+        </p:spPr>
+      </p:pic>
+      <p:pic>
+        <p:nvPicPr>
+          <p:cNvPr id="5" name="Picture 4"/>
+          <p:cNvPicPr>
+            <a:picLocks noChangeAspect="1"/>
+          </p:cNvPicPr>
+          <p:nvPr/>
+        </p:nvPicPr>
+        <p:blipFill>
+          <a:blip r:embed="rId6"/>
+          <a:stretch>
+            <a:fillRect/>
+          </a:stretch>
+        </p:blipFill>
+        <p:spPr>
+          <a:xfrm>
+            <a:off x="4030758" y="2702336"/>
+            <a:ext cx="4081192" cy="1810670"/>
+          </a:xfrm>
+          <a:prstGeom prst="rect">
+            <a:avLst/>
+          </a:prstGeom>
+        </p:spPr>
+      </p:pic>
     </p:spTree>
   </p:cSld>
   <p:clrMapOvr>
@@ -7630,6 +8460,367 @@
 </file>
 
 <file path=ppt/slides/slide6.xml><?xml version="1.0" encoding="utf-8"?>
+<p:sld xmlns:a="http://schemas.openxmlformats.org/drawingml/2006/main" xmlns:r="http://schemas.openxmlformats.org/officeDocument/2006/relationships" xmlns:p="http://schemas.openxmlformats.org/presentationml/2006/main">
+  <p:cSld>
+    <p:spTree>
+      <p:nvGrpSpPr>
+        <p:cNvPr id="1" name="Shape 369"/>
+        <p:cNvGrpSpPr/>
+        <p:nvPr/>
+      </p:nvGrpSpPr>
+      <p:grpSpPr>
+        <a:xfrm>
+          <a:off x="0" y="0"/>
+          <a:ext cx="0" cy="0"/>
+          <a:chOff x="0" y="0"/>
+          <a:chExt cx="0" cy="0"/>
+        </a:xfrm>
+      </p:grpSpPr>
+      <p:sp>
+        <p:nvSpPr>
+          <p:cNvPr id="371" name="Google Shape;371;p17"/>
+          <p:cNvSpPr txBox="1">
+            <a:spLocks noGrp="1"/>
+          </p:cNvSpPr>
+          <p:nvPr>
+            <p:ph type="ctrTitle"/>
+          </p:nvPr>
+        </p:nvSpPr>
+        <p:spPr>
+          <a:xfrm>
+            <a:off x="0" y="27644"/>
+            <a:ext cx="9144000" cy="666570"/>
+          </a:xfrm>
+          <a:prstGeom prst="rect">
+            <a:avLst/>
+          </a:prstGeom>
+          <a:solidFill>
+            <a:srgbClr val="FF6A0E"/>
+          </a:solidFill>
+          <a:ln w="9525" cap="flat" cmpd="sng">
+            <a:solidFill>
+              <a:srgbClr val="FFFFFF"/>
+            </a:solidFill>
+            <a:prstDash val="solid"/>
+            <a:round/>
+            <a:headEnd type="none" w="sm" len="sm"/>
+            <a:tailEnd type="none" w="sm" len="sm"/>
+          </a:ln>
+        </p:spPr>
+        <p:txBody>
+          <a:bodyPr spcFirstLastPara="1" wrap="square" lIns="91425" tIns="91425" rIns="91425" bIns="91425" anchor="t" anchorCtr="0">
+            <a:noAutofit/>
+          </a:bodyPr>
+          <a:lstStyle/>
+          <a:p>
+            <a:pPr marL="450000" lvl="0" indent="0" algn="l" rtl="0">
+              <a:lnSpc>
+                <a:spcPct val="150000"/>
+              </a:lnSpc>
+              <a:spcBef>
+                <a:spcPts val="0"/>
+              </a:spcBef>
+              <a:spcAft>
+                <a:spcPts val="1600"/>
+              </a:spcAft>
+              <a:buNone/>
+            </a:pPr>
+            <a:r>
+              <a:rPr lang="en-GB" sz="3000" b="1" dirty="0" smtClean="0">
+                <a:solidFill>
+                  <a:srgbClr val="FFFFFF"/>
+                </a:solidFill>
+                <a:latin typeface="Roboto"/>
+                <a:ea typeface="Roboto"/>
+                <a:cs typeface="Roboto"/>
+                <a:sym typeface="Roboto"/>
+              </a:rPr>
+              <a:t>Exploratory Data Analysis</a:t>
+            </a:r>
+            <a:endParaRPr sz="3000" b="1" dirty="0">
+              <a:solidFill>
+                <a:srgbClr val="FFFFFF"/>
+              </a:solidFill>
+              <a:latin typeface="Roboto"/>
+              <a:ea typeface="Roboto"/>
+              <a:cs typeface="Roboto"/>
+              <a:sym typeface="Roboto"/>
+            </a:endParaRPr>
+          </a:p>
+        </p:txBody>
+      </p:sp>
+      <p:sp>
+        <p:nvSpPr>
+          <p:cNvPr id="372" name="Google Shape;372;p17"/>
+          <p:cNvSpPr txBox="1"/>
+          <p:nvPr/>
+        </p:nvSpPr>
+        <p:spPr>
+          <a:xfrm>
+            <a:off x="10050" y="634136"/>
+            <a:ext cx="9144000" cy="4136400"/>
+          </a:xfrm>
+          <a:prstGeom prst="rect">
+            <a:avLst/>
+          </a:prstGeom>
+          <a:noFill/>
+          <a:ln>
+            <a:noFill/>
+          </a:ln>
+        </p:spPr>
+        <p:txBody>
+          <a:bodyPr spcFirstLastPara="1" wrap="square" lIns="274300" tIns="274300" rIns="274300" bIns="274300" anchor="t" anchorCtr="0">
+            <a:noAutofit/>
+          </a:bodyPr>
+          <a:lstStyle/>
+          <a:p>
+            <a:pPr marL="101600" lvl="0" algn="just" rtl="0">
+              <a:lnSpc>
+                <a:spcPct val="150000"/>
+              </a:lnSpc>
+              <a:spcBef>
+                <a:spcPts val="0"/>
+              </a:spcBef>
+              <a:spcAft>
+                <a:spcPts val="0"/>
+              </a:spcAft>
+              <a:buSzPts val="2000"/>
+            </a:pPr>
+            <a:endParaRPr sz="2000" dirty="0">
+              <a:latin typeface="Roboto"/>
+              <a:ea typeface="Roboto"/>
+              <a:cs typeface="Roboto"/>
+              <a:sym typeface="Roboto"/>
+            </a:endParaRPr>
+          </a:p>
+        </p:txBody>
+      </p:sp>
+      <p:sp>
+        <p:nvSpPr>
+          <p:cNvPr id="373" name="Google Shape;373;p17"/>
+          <p:cNvSpPr txBox="1"/>
+          <p:nvPr/>
+        </p:nvSpPr>
+        <p:spPr>
+          <a:xfrm>
+            <a:off x="-10050" y="4800600"/>
+            <a:ext cx="9164100" cy="270600"/>
+          </a:xfrm>
+          <a:prstGeom prst="rect">
+            <a:avLst/>
+          </a:prstGeom>
+          <a:solidFill>
+            <a:srgbClr val="FF6A0E"/>
+          </a:solidFill>
+          <a:ln>
+            <a:noFill/>
+          </a:ln>
+        </p:spPr>
+        <p:txBody>
+          <a:bodyPr spcFirstLastPara="1" wrap="square" lIns="91425" tIns="91425" rIns="91425" bIns="91425" anchor="ctr" anchorCtr="0">
+            <a:noAutofit/>
+          </a:bodyPr>
+          <a:lstStyle/>
+          <a:p>
+            <a:pPr marL="0" marR="182880" lvl="0" indent="0" algn="r" rtl="0">
+              <a:spcBef>
+                <a:spcPts val="0"/>
+              </a:spcBef>
+              <a:spcAft>
+                <a:spcPts val="0"/>
+              </a:spcAft>
+              <a:buNone/>
+            </a:pPr>
+            <a:r>
+              <a:rPr lang="en-GB" sz="1200">
+                <a:solidFill>
+                  <a:srgbClr val="FFFFFF"/>
+                </a:solidFill>
+                <a:latin typeface="Roboto"/>
+                <a:ea typeface="Roboto"/>
+                <a:cs typeface="Roboto"/>
+                <a:sym typeface="Roboto"/>
+              </a:rPr>
+              <a:t>© All rights reserved by Fireblaze Technologies Pvt. Ltd.</a:t>
+            </a:r>
+            <a:endParaRPr sz="1200">
+              <a:solidFill>
+                <a:srgbClr val="FFFFFF"/>
+              </a:solidFill>
+              <a:latin typeface="Roboto"/>
+              <a:ea typeface="Roboto"/>
+              <a:cs typeface="Roboto"/>
+              <a:sym typeface="Roboto"/>
+            </a:endParaRPr>
+          </a:p>
+        </p:txBody>
+      </p:sp>
+      <p:sp>
+        <p:nvSpPr>
+          <p:cNvPr id="374" name="Google Shape;374;p17"/>
+          <p:cNvSpPr/>
+          <p:nvPr/>
+        </p:nvSpPr>
+        <p:spPr>
+          <a:xfrm rot="10800000">
+            <a:off x="8637600" y="97750"/>
+            <a:ext cx="506400" cy="566400"/>
+          </a:xfrm>
+          <a:prstGeom prst="rtTriangle">
+            <a:avLst/>
+          </a:prstGeom>
+          <a:solidFill>
+            <a:srgbClr val="FF9900"/>
+          </a:solidFill>
+          <a:ln>
+            <a:noFill/>
+          </a:ln>
+        </p:spPr>
+        <p:txBody>
+          <a:bodyPr spcFirstLastPara="1" wrap="square" lIns="91425" tIns="91425" rIns="91425" bIns="91425" anchor="ctr" anchorCtr="0">
+            <a:noAutofit/>
+          </a:bodyPr>
+          <a:lstStyle/>
+          <a:p>
+            <a:pPr marL="0" lvl="0" indent="0" algn="l" rtl="0">
+              <a:spcBef>
+                <a:spcPts val="0"/>
+              </a:spcBef>
+              <a:spcAft>
+                <a:spcPts val="0"/>
+              </a:spcAft>
+              <a:buNone/>
+            </a:pPr>
+            <a:endParaRPr/>
+          </a:p>
+        </p:txBody>
+      </p:sp>
+      <p:sp>
+        <p:nvSpPr>
+          <p:cNvPr id="375" name="Google Shape;375;p17"/>
+          <p:cNvSpPr/>
+          <p:nvPr/>
+        </p:nvSpPr>
+        <p:spPr>
+          <a:xfrm>
+            <a:off x="0" y="4800600"/>
+            <a:ext cx="326400" cy="270600"/>
+          </a:xfrm>
+          <a:prstGeom prst="rtTriangle">
+            <a:avLst/>
+          </a:prstGeom>
+          <a:solidFill>
+            <a:srgbClr val="FF9900"/>
+          </a:solidFill>
+          <a:ln>
+            <a:noFill/>
+          </a:ln>
+        </p:spPr>
+        <p:txBody>
+          <a:bodyPr spcFirstLastPara="1" wrap="square" lIns="91425" tIns="91425" rIns="91425" bIns="91425" anchor="ctr" anchorCtr="0">
+            <a:noAutofit/>
+          </a:bodyPr>
+          <a:lstStyle/>
+          <a:p>
+            <a:pPr marL="0" lvl="0" indent="0" algn="l" rtl="0">
+              <a:spcBef>
+                <a:spcPts val="0"/>
+              </a:spcBef>
+              <a:spcAft>
+                <a:spcPts val="0"/>
+              </a:spcAft>
+              <a:buNone/>
+            </a:pPr>
+            <a:endParaRPr/>
+          </a:p>
+        </p:txBody>
+      </p:sp>
+      <p:pic>
+        <p:nvPicPr>
+          <p:cNvPr id="7" name="Picture 6"/>
+          <p:cNvPicPr>
+            <a:picLocks noChangeAspect="1"/>
+          </p:cNvPicPr>
+          <p:nvPr/>
+        </p:nvPicPr>
+        <p:blipFill>
+          <a:blip r:embed="rId3"/>
+          <a:stretch>
+            <a:fillRect/>
+          </a:stretch>
+        </p:blipFill>
+        <p:spPr>
+          <a:xfrm>
+            <a:off x="220110" y="877529"/>
+            <a:ext cx="4056944" cy="1762965"/>
+          </a:xfrm>
+          <a:prstGeom prst="rect">
+            <a:avLst/>
+          </a:prstGeom>
+        </p:spPr>
+      </p:pic>
+      <p:pic>
+        <p:nvPicPr>
+          <p:cNvPr id="8" name="Picture 7"/>
+          <p:cNvPicPr>
+            <a:picLocks noChangeAspect="1"/>
+          </p:cNvPicPr>
+          <p:nvPr/>
+        </p:nvPicPr>
+        <p:blipFill>
+          <a:blip r:embed="rId4"/>
+          <a:stretch>
+            <a:fillRect/>
+          </a:stretch>
+        </p:blipFill>
+        <p:spPr>
+          <a:xfrm>
+            <a:off x="463330" y="2823809"/>
+            <a:ext cx="3363875" cy="1695612"/>
+          </a:xfrm>
+          <a:prstGeom prst="rect">
+            <a:avLst/>
+          </a:prstGeom>
+        </p:spPr>
+      </p:pic>
+      <p:pic>
+        <p:nvPicPr>
+          <p:cNvPr id="9" name="Picture 8"/>
+          <p:cNvPicPr>
+            <a:picLocks noChangeAspect="1"/>
+          </p:cNvPicPr>
+          <p:nvPr/>
+        </p:nvPicPr>
+        <p:blipFill>
+          <a:blip r:embed="rId5"/>
+          <a:stretch>
+            <a:fillRect/>
+          </a:stretch>
+        </p:blipFill>
+        <p:spPr>
+          <a:xfrm>
+            <a:off x="4384682" y="1025823"/>
+            <a:ext cx="1703863" cy="3595972"/>
+          </a:xfrm>
+          <a:prstGeom prst="rect">
+            <a:avLst/>
+          </a:prstGeom>
+        </p:spPr>
+      </p:pic>
+    </p:spTree>
+    <p:extLst>
+      <p:ext uri="{BB962C8B-B14F-4D97-AF65-F5344CB8AC3E}">
+        <p14:creationId xmlns:p14="http://schemas.microsoft.com/office/powerpoint/2010/main" val="3519593172"/>
+      </p:ext>
+    </p:extLst>
+  </p:cSld>
+  <p:clrMapOvr>
+    <a:masterClrMapping/>
+  </p:clrMapOvr>
+</p:sld>
+</file>
+
+<file path=ppt/slides/slide7.xml><?xml version="1.0" encoding="utf-8"?>
 <p:sld xmlns:a="http://schemas.openxmlformats.org/drawingml/2006/main" xmlns:r="http://schemas.openxmlformats.org/officeDocument/2006/relationships" xmlns:p="http://schemas.openxmlformats.org/presentationml/2006/main">
   <p:cSld>
     <p:spTree>
@@ -7744,7 +8935,7 @@
           </a:bodyPr>
           <a:lstStyle/>
           <a:p>
-            <a:pPr marL="101600" lvl="0" algn="just" rtl="0">
+            <a:pPr marL="444500" lvl="0" indent="-342900" rtl="0">
               <a:lnSpc>
                 <a:spcPct val="150000"/>
               </a:lnSpc>
@@ -7755,7 +8946,212 @@
                 <a:spcPts val="0"/>
               </a:spcAft>
               <a:buSzPts val="2000"/>
+              <a:buFont typeface="Arial" panose="020B0604020202020204" pitchFamily="34" charset="0"/>
+              <a:buChar char="•"/>
             </a:pPr>
+            <a:r>
+              <a:rPr lang="en-US" sz="2000" dirty="0" smtClean="0">
+                <a:solidFill>
+                  <a:schemeClr val="dk1"/>
+                </a:solidFill>
+                <a:latin typeface="Roboto"/>
+                <a:ea typeface="Roboto"/>
+                <a:cs typeface="Roboto"/>
+                <a:sym typeface="Roboto"/>
+              </a:rPr>
+              <a:t>Feature selection for algorithm</a:t>
+            </a:r>
+          </a:p>
+          <a:p>
+            <a:pPr marL="101600" lvl="0">
+              <a:lnSpc>
+                <a:spcPct val="150000"/>
+              </a:lnSpc>
+              <a:buSzPts val="2000"/>
+            </a:pPr>
+            <a:r>
+              <a:rPr lang="en-US" sz="2000" dirty="0">
+                <a:solidFill>
+                  <a:schemeClr val="dk1"/>
+                </a:solidFill>
+                <a:latin typeface="Roboto"/>
+                <a:ea typeface="Roboto"/>
+                <a:cs typeface="Roboto"/>
+                <a:sym typeface="Roboto"/>
+              </a:rPr>
+              <a:t>X = </a:t>
+            </a:r>
+            <a:r>
+              <a:rPr lang="en-US" sz="2000" dirty="0" err="1">
+                <a:solidFill>
+                  <a:schemeClr val="dk1"/>
+                </a:solidFill>
+                <a:latin typeface="Roboto"/>
+                <a:ea typeface="Roboto"/>
+                <a:cs typeface="Roboto"/>
+                <a:sym typeface="Roboto"/>
+              </a:rPr>
+              <a:t>df</a:t>
+            </a:r>
+            <a:r>
+              <a:rPr lang="en-US" sz="2000" dirty="0">
+                <a:solidFill>
+                  <a:schemeClr val="dk1"/>
+                </a:solidFill>
+                <a:latin typeface="Roboto"/>
+                <a:ea typeface="Roboto"/>
+                <a:cs typeface="Roboto"/>
+                <a:sym typeface="Roboto"/>
+              </a:rPr>
+              <a:t>[['</a:t>
+            </a:r>
+            <a:r>
+              <a:rPr lang="en-US" sz="2000" dirty="0" err="1">
+                <a:solidFill>
+                  <a:schemeClr val="dk1"/>
+                </a:solidFill>
+                <a:latin typeface="Roboto"/>
+                <a:ea typeface="Roboto"/>
+                <a:cs typeface="Roboto"/>
+                <a:sym typeface="Roboto"/>
+              </a:rPr>
+              <a:t>AmountSpent</a:t>
+            </a:r>
+            <a:r>
+              <a:rPr lang="en-US" sz="2000" dirty="0">
+                <a:solidFill>
+                  <a:schemeClr val="dk1"/>
+                </a:solidFill>
+                <a:latin typeface="Roboto"/>
+                <a:ea typeface="Roboto"/>
+                <a:cs typeface="Roboto"/>
+                <a:sym typeface="Roboto"/>
+              </a:rPr>
+              <a:t>','</a:t>
+            </a:r>
+            <a:r>
+              <a:rPr lang="en-US" sz="2000" dirty="0" err="1">
+                <a:solidFill>
+                  <a:schemeClr val="dk1"/>
+                </a:solidFill>
+                <a:latin typeface="Roboto"/>
+                <a:ea typeface="Roboto"/>
+                <a:cs typeface="Roboto"/>
+                <a:sym typeface="Roboto"/>
+              </a:rPr>
+              <a:t>CustomerID</a:t>
+            </a:r>
+            <a:r>
+              <a:rPr lang="en-US" sz="2000" dirty="0">
+                <a:solidFill>
+                  <a:schemeClr val="dk1"/>
+                </a:solidFill>
+                <a:latin typeface="Roboto"/>
+                <a:ea typeface="Roboto"/>
+                <a:cs typeface="Roboto"/>
+                <a:sym typeface="Roboto"/>
+              </a:rPr>
+              <a:t>']].</a:t>
+            </a:r>
+            <a:r>
+              <a:rPr lang="en-US" sz="2000" dirty="0" smtClean="0">
+                <a:solidFill>
+                  <a:schemeClr val="dk1"/>
+                </a:solidFill>
+                <a:latin typeface="Roboto"/>
+                <a:ea typeface="Roboto"/>
+                <a:cs typeface="Roboto"/>
+                <a:sym typeface="Roboto"/>
+              </a:rPr>
+              <a:t>values</a:t>
+            </a:r>
+          </a:p>
+          <a:p>
+            <a:pPr marL="444500" lvl="0" indent="-342900">
+              <a:lnSpc>
+                <a:spcPct val="150000"/>
+              </a:lnSpc>
+              <a:buSzPts val="2000"/>
+              <a:buFont typeface="Arial" panose="020B0604020202020204" pitchFamily="34" charset="0"/>
+              <a:buChar char="•"/>
+            </a:pPr>
+            <a:r>
+              <a:rPr lang="en-US" sz="2000" dirty="0" smtClean="0">
+                <a:solidFill>
+                  <a:schemeClr val="dk1"/>
+                </a:solidFill>
+                <a:latin typeface="Roboto"/>
+                <a:ea typeface="Roboto"/>
+                <a:cs typeface="Roboto"/>
+                <a:sym typeface="Roboto"/>
+              </a:rPr>
+              <a:t>Normalize Data using </a:t>
+            </a:r>
+            <a:r>
+              <a:rPr lang="en-US" sz="2000" dirty="0" err="1" smtClean="0">
+                <a:solidFill>
+                  <a:schemeClr val="dk1"/>
+                </a:solidFill>
+                <a:latin typeface="Roboto"/>
+                <a:ea typeface="Roboto"/>
+                <a:cs typeface="Roboto"/>
+                <a:sym typeface="Roboto"/>
+              </a:rPr>
+              <a:t>MimMaxScaler</a:t>
+            </a:r>
+            <a:endParaRPr lang="en-US" sz="2000" dirty="0" smtClean="0">
+              <a:solidFill>
+                <a:schemeClr val="dk1"/>
+              </a:solidFill>
+              <a:latin typeface="Roboto"/>
+              <a:ea typeface="Roboto"/>
+              <a:cs typeface="Roboto"/>
+              <a:sym typeface="Roboto"/>
+            </a:endParaRPr>
+          </a:p>
+          <a:p>
+            <a:pPr marL="444500" lvl="0" indent="-342900">
+              <a:lnSpc>
+                <a:spcPct val="150000"/>
+              </a:lnSpc>
+              <a:buSzPts val="2000"/>
+              <a:buFont typeface="Arial" panose="020B0604020202020204" pitchFamily="34" charset="0"/>
+              <a:buChar char="•"/>
+            </a:pPr>
+            <a:r>
+              <a:rPr lang="en-US" sz="2000" dirty="0" smtClean="0">
+                <a:solidFill>
+                  <a:schemeClr val="dk1"/>
+                </a:solidFill>
+                <a:latin typeface="Roboto"/>
+                <a:ea typeface="Roboto"/>
+                <a:cs typeface="Roboto"/>
+                <a:sym typeface="Roboto"/>
+              </a:rPr>
+              <a:t>Find the best value for K using Elbow Method</a:t>
+            </a:r>
+          </a:p>
+          <a:p>
+            <a:pPr marL="444500" lvl="0" indent="-342900">
+              <a:lnSpc>
+                <a:spcPct val="150000"/>
+              </a:lnSpc>
+              <a:buSzPts val="2000"/>
+              <a:buFont typeface="Arial" panose="020B0604020202020204" pitchFamily="34" charset="0"/>
+              <a:buChar char="•"/>
+            </a:pPr>
+            <a:r>
+              <a:rPr lang="en-US" sz="2000" dirty="0" smtClean="0">
+                <a:solidFill>
+                  <a:schemeClr val="dk1"/>
+                </a:solidFill>
+                <a:latin typeface="Roboto"/>
+                <a:ea typeface="Roboto"/>
+                <a:cs typeface="Roboto"/>
+                <a:sym typeface="Roboto"/>
+              </a:rPr>
+              <a:t>Number of cluster = 2</a:t>
+            </a:r>
             <a:endParaRPr sz="2000" dirty="0">
               <a:solidFill>
                 <a:schemeClr val="dk1"/>
@@ -7908,293 +9304,30 @@
           </a:p>
         </p:txBody>
       </p:sp>
-    </p:spTree>
-  </p:cSld>
-  <p:clrMapOvr>
-    <a:masterClrMapping/>
-  </p:clrMapOvr>
-</p:sld>
-</file>
-
-<file path=ppt/slides/slide7.xml><?xml version="1.0" encoding="utf-8"?>
-<p:sld xmlns:a="http://schemas.openxmlformats.org/drawingml/2006/main" xmlns:r="http://schemas.openxmlformats.org/officeDocument/2006/relationships" xmlns:p="http://schemas.openxmlformats.org/presentationml/2006/main">
-  <p:cSld>
-    <p:spTree>
-      <p:nvGrpSpPr>
-        <p:cNvPr id="1" name="Shape 389"/>
-        <p:cNvGrpSpPr/>
-        <p:nvPr/>
-      </p:nvGrpSpPr>
-      <p:grpSpPr>
-        <a:xfrm>
-          <a:off x="0" y="0"/>
-          <a:ext cx="0" cy="0"/>
-          <a:chOff x="0" y="0"/>
-          <a:chExt cx="0" cy="0"/>
-        </a:xfrm>
-      </p:grpSpPr>
-      <p:sp>
-        <p:nvSpPr>
-          <p:cNvPr id="391" name="Google Shape;391;p19"/>
-          <p:cNvSpPr txBox="1">
-            <a:spLocks noGrp="1"/>
-          </p:cNvSpPr>
-          <p:nvPr>
-            <p:ph type="ctrTitle"/>
-          </p:nvPr>
-        </p:nvSpPr>
-        <p:spPr>
-          <a:xfrm>
-            <a:off x="0" y="-4252"/>
-            <a:ext cx="9144000" cy="742658"/>
+      <p:pic>
+        <p:nvPicPr>
+          <p:cNvPr id="2" name="Picture 1"/>
+          <p:cNvPicPr>
+            <a:picLocks noChangeAspect="1"/>
+          </p:cNvPicPr>
+          <p:nvPr/>
+        </p:nvPicPr>
+        <p:blipFill>
+          <a:blip r:embed="rId3"/>
+          <a:stretch>
+            <a:fillRect/>
+          </a:stretch>
+        </p:blipFill>
+        <p:spPr>
+          <a:xfrm>
+            <a:off x="4733314" y="2924254"/>
+            <a:ext cx="3407795" cy="1728863"/>
           </a:xfrm>
           <a:prstGeom prst="rect">
             <a:avLst/>
           </a:prstGeom>
-          <a:solidFill>
-            <a:srgbClr val="FF6A0E"/>
-          </a:solidFill>
-          <a:ln w="9525" cap="flat" cmpd="sng">
-            <a:solidFill>
-              <a:srgbClr val="FFFFFF"/>
-            </a:solidFill>
-            <a:prstDash val="solid"/>
-            <a:round/>
-            <a:headEnd type="none" w="sm" len="sm"/>
-            <a:tailEnd type="none" w="sm" len="sm"/>
-          </a:ln>
-        </p:spPr>
-        <p:txBody>
-          <a:bodyPr spcFirstLastPara="1" wrap="square" lIns="91425" tIns="91425" rIns="91425" bIns="91425" anchor="t" anchorCtr="0">
-            <a:noAutofit/>
-          </a:bodyPr>
-          <a:lstStyle/>
-          <a:p>
-            <a:pPr marL="450000" lvl="0" indent="0" algn="l" rtl="0">
-              <a:lnSpc>
-                <a:spcPct val="150000"/>
-              </a:lnSpc>
-              <a:spcBef>
-                <a:spcPts val="0"/>
-              </a:spcBef>
-              <a:spcAft>
-                <a:spcPts val="1600"/>
-              </a:spcAft>
-              <a:buNone/>
-            </a:pPr>
-            <a:r>
-              <a:rPr lang="en-GB" sz="3000" b="1" dirty="0">
-                <a:solidFill>
-                  <a:srgbClr val="FFFFFF"/>
-                </a:solidFill>
-                <a:latin typeface="Roboto"/>
-                <a:ea typeface="Roboto"/>
-                <a:cs typeface="Roboto"/>
-                <a:sym typeface="Roboto"/>
-              </a:rPr>
-              <a:t>Optimisation</a:t>
-            </a:r>
-            <a:endParaRPr sz="3000" b="1" dirty="0">
-              <a:solidFill>
-                <a:srgbClr val="FFFFFF"/>
-              </a:solidFill>
-              <a:latin typeface="Roboto"/>
-              <a:ea typeface="Roboto"/>
-              <a:cs typeface="Roboto"/>
-              <a:sym typeface="Roboto"/>
-            </a:endParaRPr>
-          </a:p>
-        </p:txBody>
-      </p:sp>
-      <p:sp>
-        <p:nvSpPr>
-          <p:cNvPr id="392" name="Google Shape;392;p19"/>
-          <p:cNvSpPr txBox="1"/>
-          <p:nvPr/>
-        </p:nvSpPr>
-        <p:spPr>
-          <a:xfrm>
-            <a:off x="10050" y="738406"/>
-            <a:ext cx="9144000" cy="4062194"/>
-          </a:xfrm>
-          <a:prstGeom prst="rect">
-            <a:avLst/>
-          </a:prstGeom>
-          <a:noFill/>
-          <a:ln>
-            <a:noFill/>
-          </a:ln>
-        </p:spPr>
-        <p:txBody>
-          <a:bodyPr spcFirstLastPara="1" wrap="square" lIns="274300" tIns="274300" rIns="274300" bIns="274300" anchor="t" anchorCtr="0">
-            <a:noAutofit/>
-          </a:bodyPr>
-          <a:lstStyle/>
-          <a:p>
-            <a:pPr marL="457200" lvl="0" indent="0" algn="just" rtl="0">
-              <a:lnSpc>
-                <a:spcPct val="150000"/>
-              </a:lnSpc>
-              <a:spcBef>
-                <a:spcPts val="1600"/>
-              </a:spcBef>
-              <a:spcAft>
-                <a:spcPts val="1600"/>
-              </a:spcAft>
-              <a:buNone/>
-            </a:pPr>
-            <a:endParaRPr sz="2000" dirty="0">
-              <a:solidFill>
-                <a:schemeClr val="dk1"/>
-              </a:solidFill>
-              <a:latin typeface="Roboto"/>
-              <a:ea typeface="Roboto"/>
-              <a:cs typeface="Roboto"/>
-              <a:sym typeface="Roboto"/>
-            </a:endParaRPr>
-          </a:p>
-        </p:txBody>
-      </p:sp>
-      <p:sp>
-        <p:nvSpPr>
-          <p:cNvPr id="393" name="Google Shape;393;p19"/>
-          <p:cNvSpPr txBox="1"/>
-          <p:nvPr/>
-        </p:nvSpPr>
-        <p:spPr>
-          <a:xfrm>
-            <a:off x="-10050" y="4800600"/>
-            <a:ext cx="9164100" cy="270600"/>
-          </a:xfrm>
-          <a:prstGeom prst="rect">
-            <a:avLst/>
-          </a:prstGeom>
-          <a:solidFill>
-            <a:srgbClr val="FF6A0E"/>
-          </a:solidFill>
-          <a:ln>
-            <a:noFill/>
-          </a:ln>
-        </p:spPr>
-        <p:txBody>
-          <a:bodyPr spcFirstLastPara="1" wrap="square" lIns="91425" tIns="91425" rIns="91425" bIns="91425" anchor="ctr" anchorCtr="0">
-            <a:noAutofit/>
-          </a:bodyPr>
-          <a:lstStyle/>
-          <a:p>
-            <a:pPr marL="0" marR="182880" lvl="0" indent="0" algn="r" rtl="0">
-              <a:spcBef>
-                <a:spcPts val="0"/>
-              </a:spcBef>
-              <a:spcAft>
-                <a:spcPts val="0"/>
-              </a:spcAft>
-              <a:buNone/>
-            </a:pPr>
-            <a:r>
-              <a:rPr lang="en-GB" sz="1200">
-                <a:solidFill>
-                  <a:srgbClr val="FFFFFF"/>
-                </a:solidFill>
-                <a:latin typeface="Roboto"/>
-                <a:ea typeface="Roboto"/>
-                <a:cs typeface="Roboto"/>
-                <a:sym typeface="Roboto"/>
-              </a:rPr>
-              <a:t>© All rights reserved by Fireblaze Technologies Pvt. Ltd.</a:t>
-            </a:r>
-            <a:endParaRPr sz="1200">
-              <a:solidFill>
-                <a:srgbClr val="FFFFFF"/>
-              </a:solidFill>
-              <a:latin typeface="Roboto"/>
-              <a:ea typeface="Roboto"/>
-              <a:cs typeface="Roboto"/>
-              <a:sym typeface="Roboto"/>
-            </a:endParaRPr>
-          </a:p>
-        </p:txBody>
-      </p:sp>
-      <p:sp>
-        <p:nvSpPr>
-          <p:cNvPr id="394" name="Google Shape;394;p19"/>
-          <p:cNvSpPr/>
-          <p:nvPr/>
-        </p:nvSpPr>
-        <p:spPr>
-          <a:xfrm rot="10800000">
-            <a:off x="8637600" y="97750"/>
-            <a:ext cx="506400" cy="566400"/>
-          </a:xfrm>
-          <a:prstGeom prst="rtTriangle">
-            <a:avLst/>
-          </a:prstGeom>
-          <a:solidFill>
-            <a:srgbClr val="FF9900"/>
-          </a:solidFill>
-          <a:ln>
-            <a:noFill/>
-          </a:ln>
-        </p:spPr>
-        <p:txBody>
-          <a:bodyPr spcFirstLastPara="1" wrap="square" lIns="91425" tIns="91425" rIns="91425" bIns="91425" anchor="ctr" anchorCtr="0">
-            <a:noAutofit/>
-          </a:bodyPr>
-          <a:lstStyle/>
-          <a:p>
-            <a:pPr marL="0" lvl="0" indent="0" algn="l" rtl="0">
-              <a:spcBef>
-                <a:spcPts val="0"/>
-              </a:spcBef>
-              <a:spcAft>
-                <a:spcPts val="0"/>
-              </a:spcAft>
-              <a:buNone/>
-            </a:pPr>
-            <a:endParaRPr/>
-          </a:p>
-        </p:txBody>
-      </p:sp>
-      <p:sp>
-        <p:nvSpPr>
-          <p:cNvPr id="395" name="Google Shape;395;p19"/>
-          <p:cNvSpPr/>
-          <p:nvPr/>
-        </p:nvSpPr>
-        <p:spPr>
-          <a:xfrm>
-            <a:off x="0" y="4800600"/>
-            <a:ext cx="326400" cy="270600"/>
-          </a:xfrm>
-          <a:prstGeom prst="rtTriangle">
-            <a:avLst/>
-          </a:prstGeom>
-          <a:solidFill>
-            <a:srgbClr val="FF9900"/>
-          </a:solidFill>
-          <a:ln>
-            <a:noFill/>
-          </a:ln>
-        </p:spPr>
-        <p:txBody>
-          <a:bodyPr spcFirstLastPara="1" wrap="square" lIns="91425" tIns="91425" rIns="91425" bIns="91425" anchor="ctr" anchorCtr="0">
-            <a:noAutofit/>
-          </a:bodyPr>
-          <a:lstStyle/>
-          <a:p>
-            <a:pPr marL="0" lvl="0" indent="0" algn="l" rtl="0">
-              <a:spcBef>
-                <a:spcPts val="0"/>
-              </a:spcBef>
-              <a:spcAft>
-                <a:spcPts val="0"/>
-              </a:spcAft>
-              <a:buNone/>
-            </a:pPr>
-            <a:endParaRPr/>
-          </a:p>
-        </p:txBody>
-      </p:sp>
+        </p:spPr>
+      </p:pic>
     </p:spTree>
   </p:cSld>
   <p:clrMapOvr>
@@ -8279,7 +9412,7 @@
                 <a:cs typeface="Roboto"/>
                 <a:sym typeface="Roboto"/>
               </a:rPr>
-              <a:t>Conclusion</a:t>
+              <a:t>Optimisation</a:t>
             </a:r>
             <a:endParaRPr sz="3000" b="1" dirty="0">
               <a:solidFill>
@@ -8483,11 +9616,6 @@
         </p:txBody>
       </p:sp>
     </p:spTree>
-    <p:extLst>
-      <p:ext uri="{BB962C8B-B14F-4D97-AF65-F5344CB8AC3E}">
-        <p14:creationId xmlns:p14="http://schemas.microsoft.com/office/powerpoint/2010/main" val="750392130"/>
-      </p:ext>
-    </p:extLst>
   </p:cSld>
   <p:clrMapOvr>
     <a:masterClrMapping/>
@@ -8571,7 +9699,7 @@
                 <a:cs typeface="Roboto"/>
                 <a:sym typeface="Roboto"/>
               </a:rPr>
-              <a:t>Future Scope</a:t>
+              <a:t>Conclusion</a:t>
             </a:r>
             <a:endParaRPr sz="3000" b="1" dirty="0">
               <a:solidFill>
@@ -8593,8 +9721,8 @@
         </p:nvSpPr>
         <p:spPr>
           <a:xfrm>
-            <a:off x="0" y="766150"/>
-            <a:ext cx="9144000" cy="4034449"/>
+            <a:off x="10050" y="738406"/>
+            <a:ext cx="9144000" cy="4062194"/>
           </a:xfrm>
           <a:prstGeom prst="rect">
             <a:avLst/>
@@ -8777,7 +9905,7 @@
     </p:spTree>
     <p:extLst>
       <p:ext uri="{BB962C8B-B14F-4D97-AF65-F5344CB8AC3E}">
-        <p14:creationId xmlns:p14="http://schemas.microsoft.com/office/powerpoint/2010/main" val="966557344"/>
+        <p14:creationId xmlns:p14="http://schemas.microsoft.com/office/powerpoint/2010/main" val="750392130"/>
       </p:ext>
     </p:extLst>
   </p:cSld>
